--- a/Tax Payers  System.pptx
+++ b/Tax Payers  System.pptx
@@ -108,6 +108,11 @@
       </a:defRPr>
     </a:lvl9pPr>
   </p:defaultTextStyle>
+  <p:extLst>
+    <p:ext uri="{EFAFB233-063F-42B5-8137-9DF3F51BA10A}">
+      <p15:sldGuideLst xmlns:p15="http://schemas.microsoft.com/office/powerpoint/2012/main"/>
+    </p:ext>
+  </p:extLst>
 </p:presentation>
 </file>
 
@@ -242,7 +247,7 @@
           <a:p>
             <a:fld id="{F741C616-194E-4E56-A47A-850CF642F7D6}" type="datetimeFigureOut">
               <a:rPr lang="en-US" smtClean="0"/>
-              <a:t>11/24/2021</a:t>
+              <a:t>11/25/2021</a:t>
             </a:fld>
             <a:endParaRPr lang="en-US"/>
           </a:p>
@@ -412,7 +417,7 @@
           <a:p>
             <a:fld id="{F741C616-194E-4E56-A47A-850CF642F7D6}" type="datetimeFigureOut">
               <a:rPr lang="en-US" smtClean="0"/>
-              <a:t>11/24/2021</a:t>
+              <a:t>11/25/2021</a:t>
             </a:fld>
             <a:endParaRPr lang="en-US"/>
           </a:p>
@@ -592,7 +597,7 @@
           <a:p>
             <a:fld id="{F741C616-194E-4E56-A47A-850CF642F7D6}" type="datetimeFigureOut">
               <a:rPr lang="en-US" smtClean="0"/>
-              <a:t>11/24/2021</a:t>
+              <a:t>11/25/2021</a:t>
             </a:fld>
             <a:endParaRPr lang="en-US"/>
           </a:p>
@@ -762,7 +767,7 @@
           <a:p>
             <a:fld id="{F741C616-194E-4E56-A47A-850CF642F7D6}" type="datetimeFigureOut">
               <a:rPr lang="en-US" smtClean="0"/>
-              <a:t>11/24/2021</a:t>
+              <a:t>11/25/2021</a:t>
             </a:fld>
             <a:endParaRPr lang="en-US"/>
           </a:p>
@@ -1008,7 +1013,7 @@
           <a:p>
             <a:fld id="{F741C616-194E-4E56-A47A-850CF642F7D6}" type="datetimeFigureOut">
               <a:rPr lang="en-US" smtClean="0"/>
-              <a:t>11/24/2021</a:t>
+              <a:t>11/25/2021</a:t>
             </a:fld>
             <a:endParaRPr lang="en-US"/>
           </a:p>
@@ -1240,7 +1245,7 @@
           <a:p>
             <a:fld id="{F741C616-194E-4E56-A47A-850CF642F7D6}" type="datetimeFigureOut">
               <a:rPr lang="en-US" smtClean="0"/>
-              <a:t>11/24/2021</a:t>
+              <a:t>11/25/2021</a:t>
             </a:fld>
             <a:endParaRPr lang="en-US"/>
           </a:p>
@@ -1607,7 +1612,7 @@
           <a:p>
             <a:fld id="{F741C616-194E-4E56-A47A-850CF642F7D6}" type="datetimeFigureOut">
               <a:rPr lang="en-US" smtClean="0"/>
-              <a:t>11/24/2021</a:t>
+              <a:t>11/25/2021</a:t>
             </a:fld>
             <a:endParaRPr lang="en-US"/>
           </a:p>
@@ -1725,7 +1730,7 @@
           <a:p>
             <a:fld id="{F741C616-194E-4E56-A47A-850CF642F7D6}" type="datetimeFigureOut">
               <a:rPr lang="en-US" smtClean="0"/>
-              <a:t>11/24/2021</a:t>
+              <a:t>11/25/2021</a:t>
             </a:fld>
             <a:endParaRPr lang="en-US"/>
           </a:p>
@@ -1820,7 +1825,7 @@
           <a:p>
             <a:fld id="{F741C616-194E-4E56-A47A-850CF642F7D6}" type="datetimeFigureOut">
               <a:rPr lang="en-US" smtClean="0"/>
-              <a:t>11/24/2021</a:t>
+              <a:t>11/25/2021</a:t>
             </a:fld>
             <a:endParaRPr lang="en-US"/>
           </a:p>
@@ -2097,7 +2102,7 @@
           <a:p>
             <a:fld id="{F741C616-194E-4E56-A47A-850CF642F7D6}" type="datetimeFigureOut">
               <a:rPr lang="en-US" smtClean="0"/>
-              <a:t>11/24/2021</a:t>
+              <a:t>11/25/2021</a:t>
             </a:fld>
             <a:endParaRPr lang="en-US"/>
           </a:p>
@@ -2350,7 +2355,7 @@
           <a:p>
             <a:fld id="{F741C616-194E-4E56-A47A-850CF642F7D6}" type="datetimeFigureOut">
               <a:rPr lang="en-US" smtClean="0"/>
-              <a:t>11/24/2021</a:t>
+              <a:t>11/25/2021</a:t>
             </a:fld>
             <a:endParaRPr lang="en-US"/>
           </a:p>
@@ -2563,7 +2568,7 @@
           <a:p>
             <a:fld id="{F741C616-194E-4E56-A47A-850CF642F7D6}" type="datetimeFigureOut">
               <a:rPr lang="en-US" smtClean="0"/>
-              <a:t>11/24/2021</a:t>
+              <a:t>11/25/2021</a:t>
             </a:fld>
             <a:endParaRPr lang="en-US"/>
           </a:p>
@@ -3075,7 +3080,7 @@
       </p:sp>
       <p:pic>
         <p:nvPicPr>
-          <p:cNvPr id="4" name="Content Placeholder 3"/>
+          <p:cNvPr id="5" name="Content Placeholder 4"/>
           <p:cNvPicPr>
             <a:picLocks noGrp="1" noChangeAspect="1"/>
           </p:cNvPicPr>
@@ -3097,8 +3102,8 @@
         </p:blipFill>
         <p:spPr>
           <a:xfrm>
-            <a:off x="2226255" y="1825625"/>
-            <a:ext cx="7739489" cy="4351338"/>
+            <a:off x="3765899" y="1825625"/>
+            <a:ext cx="4660201" cy="4351338"/>
           </a:xfrm>
         </p:spPr>
       </p:pic>
@@ -3157,7 +3162,7 @@
       </p:sp>
       <p:pic>
         <p:nvPicPr>
-          <p:cNvPr id="4" name="Content Placeholder 3"/>
+          <p:cNvPr id="5" name="Content Placeholder 4"/>
           <p:cNvPicPr>
             <a:picLocks noGrp="1" noChangeAspect="1"/>
           </p:cNvPicPr>
@@ -3179,8 +3184,8 @@
         </p:blipFill>
         <p:spPr>
           <a:xfrm>
-            <a:off x="1371601" y="1825625"/>
-            <a:ext cx="9359900" cy="4351338"/>
+            <a:off x="838200" y="2849122"/>
+            <a:ext cx="10515600" cy="2304344"/>
           </a:xfrm>
         </p:spPr>
       </p:pic>
@@ -3239,7 +3244,7 @@
       </p:sp>
       <p:pic>
         <p:nvPicPr>
-          <p:cNvPr id="4" name="Content Placeholder 3"/>
+          <p:cNvPr id="5" name="Content Placeholder 4"/>
           <p:cNvPicPr>
             <a:picLocks noGrp="1" noChangeAspect="1"/>
           </p:cNvPicPr>
@@ -3261,8 +3266,8 @@
         </p:blipFill>
         <p:spPr>
           <a:xfrm>
-            <a:off x="1447800" y="1825625"/>
-            <a:ext cx="8762999" cy="4351338"/>
+            <a:off x="2575455" y="1825625"/>
+            <a:ext cx="7041089" cy="4351338"/>
           </a:xfrm>
         </p:spPr>
       </p:pic>
@@ -3321,7 +3326,7 @@
       </p:sp>
       <p:pic>
         <p:nvPicPr>
-          <p:cNvPr id="4" name="Content Placeholder 3"/>
+          <p:cNvPr id="5" name="Content Placeholder 4"/>
           <p:cNvPicPr>
             <a:picLocks noGrp="1" noChangeAspect="1"/>
           </p:cNvPicPr>
@@ -3343,8 +3348,8 @@
         </p:blipFill>
         <p:spPr>
           <a:xfrm>
-            <a:off x="1016001" y="1825625"/>
-            <a:ext cx="8949744" cy="4351338"/>
+            <a:off x="2763936" y="1825625"/>
+            <a:ext cx="6664128" cy="4351338"/>
           </a:xfrm>
         </p:spPr>
       </p:pic>
